--- a/mailers_rails.pptx
+++ b/mailers_rails.pptx
@@ -10,7 +10,8 @@
     <p:sldId id="258" r:id="rId4"/>
     <p:sldId id="259" r:id="rId5"/>
     <p:sldId id="260" r:id="rId6"/>
-    <p:sldId id="261" r:id="rId7"/>
+    <p:sldId id="262" r:id="rId7"/>
+    <p:sldId id="261" r:id="rId8"/>
   </p:sldIdLst>
   <p:sldSz cx="9144000" cy="6858000" type="screen4x3"/>
   <p:notesSz cx="6858000" cy="9144000"/>
@@ -119,6 +120,7 @@
             <p14:sldId id="258"/>
             <p14:sldId id="259"/>
             <p14:sldId id="260"/>
+            <p14:sldId id="262"/>
             <p14:sldId id="261"/>
           </p14:sldIdLst>
         </p14:section>
@@ -310,7 +312,7 @@
             <a:fld id="{1D8BD707-D9CF-40AE-B4C6-C98DA3205C09}" type="datetimeFigureOut">
               <a:rPr lang="en-US" smtClean="0"/>
               <a:pPr/>
-              <a:t>5/4/2015</a:t>
+              <a:t>24-Jul-15</a:t>
             </a:fld>
             <a:endParaRPr lang="en-US"/>
           </a:p>
@@ -477,7 +479,7 @@
             <a:fld id="{1D8BD707-D9CF-40AE-B4C6-C98DA3205C09}" type="datetimeFigureOut">
               <a:rPr lang="en-US" smtClean="0"/>
               <a:pPr/>
-              <a:t>5/4/2015</a:t>
+              <a:t>24-Jul-15</a:t>
             </a:fld>
             <a:endParaRPr lang="en-US"/>
           </a:p>
@@ -654,7 +656,7 @@
             <a:fld id="{1D8BD707-D9CF-40AE-B4C6-C98DA3205C09}" type="datetimeFigureOut">
               <a:rPr lang="en-US" smtClean="0"/>
               <a:pPr/>
-              <a:t>5/4/2015</a:t>
+              <a:t>24-Jul-15</a:t>
             </a:fld>
             <a:endParaRPr lang="en-US"/>
           </a:p>
@@ -821,7 +823,7 @@
             <a:fld id="{1D8BD707-D9CF-40AE-B4C6-C98DA3205C09}" type="datetimeFigureOut">
               <a:rPr lang="en-US" smtClean="0"/>
               <a:pPr/>
-              <a:t>5/4/2015</a:t>
+              <a:t>24-Jul-15</a:t>
             </a:fld>
             <a:endParaRPr lang="en-US"/>
           </a:p>
@@ -1064,7 +1066,7 @@
             <a:fld id="{1D8BD707-D9CF-40AE-B4C6-C98DA3205C09}" type="datetimeFigureOut">
               <a:rPr lang="en-US" smtClean="0"/>
               <a:pPr/>
-              <a:t>5/4/2015</a:t>
+              <a:t>24-Jul-15</a:t>
             </a:fld>
             <a:endParaRPr lang="en-US"/>
           </a:p>
@@ -1349,7 +1351,7 @@
             <a:fld id="{1D8BD707-D9CF-40AE-B4C6-C98DA3205C09}" type="datetimeFigureOut">
               <a:rPr lang="en-US" smtClean="0"/>
               <a:pPr/>
-              <a:t>5/4/2015</a:t>
+              <a:t>24-Jul-15</a:t>
             </a:fld>
             <a:endParaRPr lang="en-US"/>
           </a:p>
@@ -1768,7 +1770,7 @@
             <a:fld id="{1D8BD707-D9CF-40AE-B4C6-C98DA3205C09}" type="datetimeFigureOut">
               <a:rPr lang="en-US" smtClean="0"/>
               <a:pPr/>
-              <a:t>5/4/2015</a:t>
+              <a:t>24-Jul-15</a:t>
             </a:fld>
             <a:endParaRPr lang="en-US"/>
           </a:p>
@@ -1883,7 +1885,7 @@
             <a:fld id="{1D8BD707-D9CF-40AE-B4C6-C98DA3205C09}" type="datetimeFigureOut">
               <a:rPr lang="en-US" smtClean="0"/>
               <a:pPr/>
-              <a:t>5/4/2015</a:t>
+              <a:t>24-Jul-15</a:t>
             </a:fld>
             <a:endParaRPr lang="en-US"/>
           </a:p>
@@ -1975,7 +1977,7 @@
             <a:fld id="{1D8BD707-D9CF-40AE-B4C6-C98DA3205C09}" type="datetimeFigureOut">
               <a:rPr lang="en-US" smtClean="0"/>
               <a:pPr/>
-              <a:t>5/4/2015</a:t>
+              <a:t>24-Jul-15</a:t>
             </a:fld>
             <a:endParaRPr lang="en-US"/>
           </a:p>
@@ -2249,7 +2251,7 @@
             <a:fld id="{1D8BD707-D9CF-40AE-B4C6-C98DA3205C09}" type="datetimeFigureOut">
               <a:rPr lang="en-US" smtClean="0"/>
               <a:pPr/>
-              <a:t>5/4/2015</a:t>
+              <a:t>24-Jul-15</a:t>
             </a:fld>
             <a:endParaRPr lang="en-US"/>
           </a:p>
@@ -2499,7 +2501,7 @@
             <a:fld id="{1D8BD707-D9CF-40AE-B4C6-C98DA3205C09}" type="datetimeFigureOut">
               <a:rPr lang="en-US" smtClean="0"/>
               <a:pPr/>
-              <a:t>5/4/2015</a:t>
+              <a:t>24-Jul-15</a:t>
             </a:fld>
             <a:endParaRPr lang="en-US"/>
           </a:p>
@@ -2709,7 +2711,7 @@
             <a:fld id="{1D8BD707-D9CF-40AE-B4C6-C98DA3205C09}" type="datetimeFigureOut">
               <a:rPr lang="en-US" smtClean="0"/>
               <a:pPr/>
-              <a:t>5/4/2015</a:t>
+              <a:t>24-Jul-15</a:t>
             </a:fld>
             <a:endParaRPr lang="en-US"/>
           </a:p>
@@ -4329,6 +4331,224 @@
 </file>
 
 <file path=ppt/slides/slide6.xml><?xml version="1.0" encoding="utf-8"?>
+<p:sld xmlns:a="http://schemas.openxmlformats.org/drawingml/2006/main" xmlns:r="http://schemas.openxmlformats.org/officeDocument/2006/relationships" xmlns:p="http://schemas.openxmlformats.org/presentationml/2006/main">
+  <p:cSld>
+    <p:spTree>
+      <p:nvGrpSpPr>
+        <p:cNvPr id="1" name=""/>
+        <p:cNvGrpSpPr/>
+        <p:nvPr/>
+      </p:nvGrpSpPr>
+      <p:grpSpPr>
+        <a:xfrm>
+          <a:off x="0" y="0"/>
+          <a:ext cx="0" cy="0"/>
+          <a:chOff x="0" y="0"/>
+          <a:chExt cx="0" cy="0"/>
+        </a:xfrm>
+      </p:grpSpPr>
+      <p:sp>
+        <p:nvSpPr>
+          <p:cNvPr id="2" name="Title 1"/>
+          <p:cNvSpPr>
+            <a:spLocks noGrp="1"/>
+          </p:cNvSpPr>
+          <p:nvPr>
+            <p:ph type="title"/>
+          </p:nvPr>
+        </p:nvSpPr>
+        <p:spPr/>
+        <p:txBody>
+          <a:bodyPr/>
+          <a:lstStyle/>
+          <a:p>
+            <a:r>
+              <a:rPr lang="en-US" dirty="0" smtClean="0"/>
+              <a:t>Action Mailer View</a:t>
+            </a:r>
+            <a:endParaRPr lang="en-US" dirty="0"/>
+          </a:p>
+        </p:txBody>
+      </p:sp>
+      <p:sp>
+        <p:nvSpPr>
+          <p:cNvPr id="3" name="Rectangle 3"/>
+          <p:cNvSpPr txBox="1"/>
+          <p:nvPr/>
+        </p:nvSpPr>
+        <p:spPr>
+          <a:xfrm>
+            <a:off x="457200" y="1600200"/>
+            <a:ext cx="8229600" cy="584775"/>
+          </a:xfrm>
+          <a:prstGeom prst="rect">
+            <a:avLst/>
+          </a:prstGeom>
+        </p:spPr>
+        <p:txBody>
+          <a:bodyPr vert="horz" lIns="91440" tIns="45720" rIns="91440" bIns="45720" rtlCol="0">
+            <a:spAutoFit/>
+          </a:bodyPr>
+          <a:lstStyle>
+            <a:lvl1pPr marL="342900" lvl="0" indent="-342900">
+              <a:spcBef>
+                <a:spcPct val="20000"/>
+              </a:spcBef>
+              <a:buFont typeface="Arial" pitchFamily="34" charset="0"/>
+              <a:buChar char="•"/>
+              <a:defRPr sz="3200"/>
+            </a:lvl1pPr>
+            <a:lvl2pPr marL="742950" lvl="1" indent="-285750">
+              <a:spcBef>
+                <a:spcPct val="20000"/>
+              </a:spcBef>
+              <a:buFont typeface="Arial" pitchFamily="34" charset="0"/>
+              <a:buChar char="–"/>
+              <a:defRPr sz="2800"/>
+            </a:lvl2pPr>
+            <a:lvl3pPr marL="1143000" lvl="2" indent="-228600">
+              <a:spcBef>
+                <a:spcPct val="20000"/>
+              </a:spcBef>
+              <a:buFont typeface="Arial" pitchFamily="34" charset="0"/>
+              <a:buChar char="•"/>
+              <a:defRPr sz="2400"/>
+            </a:lvl3pPr>
+            <a:lvl4pPr marL="1600200" lvl="3" indent="-228600">
+              <a:spcBef>
+                <a:spcPct val="20000"/>
+              </a:spcBef>
+              <a:buFont typeface="Arial" pitchFamily="34" charset="0"/>
+              <a:buChar char="–"/>
+              <a:defRPr sz="2000"/>
+            </a:lvl4pPr>
+            <a:lvl5pPr marL="2057400" lvl="4" indent="-228600">
+              <a:spcBef>
+                <a:spcPct val="20000"/>
+              </a:spcBef>
+              <a:buFont typeface="Arial" pitchFamily="34" charset="0"/>
+              <a:buChar char="»"/>
+              <a:defRPr sz="2000"/>
+            </a:lvl5pPr>
+            <a:lvl6pPr marL="2514600" indent="-228600">
+              <a:spcBef>
+                <a:spcPct val="20000"/>
+              </a:spcBef>
+              <a:buFont typeface="Arial" pitchFamily="34" charset="0"/>
+              <a:buChar char="•"/>
+              <a:defRPr sz="2000"/>
+            </a:lvl6pPr>
+            <a:lvl7pPr marL="2971800" indent="-228600">
+              <a:spcBef>
+                <a:spcPct val="20000"/>
+              </a:spcBef>
+              <a:buFont typeface="Arial" pitchFamily="34" charset="0"/>
+              <a:buChar char="•"/>
+              <a:defRPr sz="2000"/>
+            </a:lvl7pPr>
+            <a:lvl8pPr marL="3429000" indent="-228600">
+              <a:spcBef>
+                <a:spcPct val="20000"/>
+              </a:spcBef>
+              <a:buFont typeface="Arial" pitchFamily="34" charset="0"/>
+              <a:buChar char="•"/>
+              <a:defRPr sz="2000"/>
+            </a:lvl8pPr>
+            <a:lvl9pPr marL="3886200" indent="-228600">
+              <a:spcBef>
+                <a:spcPct val="20000"/>
+              </a:spcBef>
+              <a:buFont typeface="Arial" pitchFamily="34" charset="0"/>
+              <a:buChar char="•"/>
+              <a:defRPr sz="2000"/>
+            </a:lvl9pPr>
+          </a:lstStyle>
+          <a:p>
+            <a:pPr marL="0" indent="0">
+              <a:buNone/>
+            </a:pPr>
+            <a:endParaRPr lang="en-US" dirty="0"/>
+          </a:p>
+        </p:txBody>
+      </p:sp>
+      <p:pic>
+        <p:nvPicPr>
+          <p:cNvPr id="1026" name="Picture 2"/>
+          <p:cNvPicPr>
+            <a:picLocks noChangeAspect="1" noChangeArrowheads="1"/>
+          </p:cNvPicPr>
+          <p:nvPr/>
+        </p:nvPicPr>
+        <p:blipFill>
+          <a:blip r:embed="rId2">
+            <a:extLst>
+              <a:ext uri="{28A0092B-C50C-407E-A947-70E740481C1C}">
+                <a14:useLocalDpi xmlns:a14="http://schemas.microsoft.com/office/drawing/2010/main" val="0"/>
+              </a:ext>
+            </a:extLst>
+          </a:blip>
+          <a:srcRect/>
+          <a:stretch>
+            <a:fillRect/>
+          </a:stretch>
+        </p:blipFill>
+        <p:spPr bwMode="auto">
+          <a:xfrm>
+            <a:off x="533400" y="1293163"/>
+            <a:ext cx="8001000" cy="5260037"/>
+          </a:xfrm>
+          <a:prstGeom prst="rect">
+            <a:avLst/>
+          </a:prstGeom>
+          <a:noFill/>
+          <a:ln>
+            <a:noFill/>
+          </a:ln>
+          <a:effectLst/>
+          <a:extLst>
+            <a:ext uri="{909E8E84-426E-40DD-AFC4-6F175D3DCCD1}">
+              <a14:hiddenFill xmlns:a14="http://schemas.microsoft.com/office/drawing/2010/main">
+                <a:solidFill>
+                  <a:schemeClr val="accent1"/>
+                </a:solidFill>
+              </a14:hiddenFill>
+            </a:ext>
+            <a:ext uri="{91240B29-F687-4F45-9708-019B960494DF}">
+              <a14:hiddenLine xmlns:a14="http://schemas.microsoft.com/office/drawing/2010/main" w="9525">
+                <a:solidFill>
+                  <a:schemeClr val="tx1"/>
+                </a:solidFill>
+                <a:miter lim="800000"/>
+                <a:headEnd/>
+                <a:tailEnd/>
+              </a14:hiddenLine>
+            </a:ext>
+            <a:ext uri="{AF507438-7753-43E0-B8FC-AC1667EBCBE1}">
+              <a14:hiddenEffects xmlns:a14="http://schemas.microsoft.com/office/drawing/2010/main">
+                <a:effectLst>
+                  <a:outerShdw dist="35921" dir="2700000" algn="ctr" rotWithShape="0">
+                    <a:schemeClr val="bg2"/>
+                  </a:outerShdw>
+                </a:effectLst>
+              </a14:hiddenEffects>
+            </a:ext>
+          </a:extLst>
+        </p:spPr>
+      </p:pic>
+    </p:spTree>
+    <p:extLst>
+      <p:ext uri="{BB962C8B-B14F-4D97-AF65-F5344CB8AC3E}">
+        <p14:creationId xmlns:p14="http://schemas.microsoft.com/office/powerpoint/2010/main" val="775015216"/>
+      </p:ext>
+    </p:extLst>
+  </p:cSld>
+  <p:clrMapOvr>
+    <a:masterClrMapping/>
+  </p:clrMapOvr>
+</p:sld>
+</file>
+
+<file path=ppt/slides/slide7.xml><?xml version="1.0" encoding="utf-8"?>
 <p:sld xmlns:a="http://schemas.openxmlformats.org/drawingml/2006/main" xmlns:r="http://schemas.openxmlformats.org/officeDocument/2006/relationships" xmlns:p="http://schemas.openxmlformats.org/presentationml/2006/main">
   <p:cSld>
     <p:spTree>
